--- a/Presentation.pptx
+++ b/Presentation.pptx
@@ -17278,13 +17278,13 @@
   <p:clrMapOvr>
     <a:masterClrMapping/>
   </p:clrMapOvr>
-  <mc:AlternateContent xmlns:mc="http://schemas.openxmlformats.org/markup-compatibility/2006">
-    <mc:Choice xmlns:p159="http://schemas.microsoft.com/office/powerpoint/2015/09/main" Requires="p159">
+  <mc:AlternateContent xmlns:mc="http://schemas.openxmlformats.org/markup-compatibility/2006" xmlns:p159="http://schemas.microsoft.com/office/powerpoint/2015/09/main">
+    <mc:Choice Requires="p159">
       <p:transition xmlns:p14="http://schemas.microsoft.com/office/powerpoint/2010/main" spd="slow" p14:dur="2000">
         <p159:morph option="byChar"/>
       </p:transition>
     </mc:Choice>
-    <mc:Fallback>
+    <mc:Fallback xmlns="">
       <p:transition spd="slow">
         <p:fade/>
       </p:transition>
@@ -26971,7 +26971,32 @@
                   </a:extLst>
                 </a:hlinkClick>
               </a:rPr>
-              <a:t>tutorial</a:t>
+              <a:t>t</a:t>
+            </a:r>
+            <a:r>
+              <a:rPr lang="en-US" sz="4800" b="1" u="sng" dirty="0">
+                <a:solidFill>
+                  <a:srgbClr val="33CCCC"/>
+                </a:solidFill>
+                <a:effectLst>
+                  <a:outerShdw blurRad="38100" dist="38100" dir="2700000" algn="tl">
+                    <a:srgbClr val="000000">
+                      <a:alpha val="43137"/>
+                    </a:srgbClr>
+                  </a:outerShdw>
+                </a:effectLst>
+                <a:latin typeface="Algerian" panose="04020705040A02060702" pitchFamily="82" charset="0"/>
+                <a:ea typeface="+mn-ea"/>
+                <a:cs typeface="+mn-cs"/>
+                <a:hlinkClick r:id="rId5" action="ppaction://hlinkfile">
+                  <a:extLst>
+                    <a:ext uri="{A12FA001-AC4F-418D-AE19-62706E023703}">
+                      <ahyp:hlinkClr xmlns:ahyp="http://schemas.microsoft.com/office/drawing/2018/hyperlinkcolor" val="tx"/>
+                    </a:ext>
+                  </a:extLst>
+                </a:hlinkClick>
+              </a:rPr>
+              <a:t>utorial</a:t>
             </a:r>
             <a:endParaRPr kumimoji="0" lang="en-US" sz="6600" b="1" i="0" u="sng" strike="noStrike" kern="1200" cap="none" spc="0" normalizeH="0" baseline="0" noProof="0" dirty="0">
               <a:ln>
@@ -26996,6 +27021,52 @@
           </a:p>
         </p:txBody>
       </p:sp>
+      <p:pic>
+        <p:nvPicPr>
+          <p:cNvPr id="1030" name="Picture 6" descr="Github Logo Vector Art, Icons, and Graphics for Free Download">
+            <a:hlinkClick r:id="rId6"/>
+            <a:extLst>
+              <a:ext uri="{FF2B5EF4-FFF2-40B4-BE49-F238E27FC236}">
+                <a16:creationId xmlns:a16="http://schemas.microsoft.com/office/drawing/2014/main" id="{F170B6B9-6444-C47A-FBB5-0341A808EA3F}"/>
+              </a:ext>
+            </a:extLst>
+          </p:cNvPr>
+          <p:cNvPicPr>
+            <a:picLocks noChangeAspect="1" noChangeArrowheads="1"/>
+          </p:cNvPicPr>
+          <p:nvPr/>
+        </p:nvPicPr>
+        <p:blipFill rotWithShape="1">
+          <a:blip r:embed="rId7">
+            <a:extLst>
+              <a:ext uri="{28A0092B-C50C-407E-A947-70E740481C1C}">
+                <a14:useLocalDpi xmlns:a14="http://schemas.microsoft.com/office/drawing/2010/main" val="0"/>
+              </a:ext>
+            </a:extLst>
+          </a:blip>
+          <a:srcRect l="56203" t="6451" r="7342" b="22884"/>
+          <a:stretch/>
+        </p:blipFill>
+        <p:spPr bwMode="auto">
+          <a:xfrm>
+            <a:off x="10411282" y="218257"/>
+            <a:ext cx="1593814" cy="1544726"/>
+          </a:xfrm>
+          <a:prstGeom prst="rect">
+            <a:avLst/>
+          </a:prstGeom>
+          <a:noFill/>
+          <a:extLst>
+            <a:ext uri="{909E8E84-426E-40DD-AFC4-6F175D3DCCD1}">
+              <a14:hiddenFill xmlns:a14="http://schemas.microsoft.com/office/drawing/2010/main">
+                <a:solidFill>
+                  <a:srgbClr val="FFFFFF"/>
+                </a:solidFill>
+              </a14:hiddenFill>
+            </a:ext>
+          </a:extLst>
+        </p:spPr>
+      </p:pic>
     </p:spTree>
     <p:extLst>
       <p:ext uri="{BB962C8B-B14F-4D97-AF65-F5344CB8AC3E}">
@@ -27006,13 +27077,13 @@
   <p:clrMapOvr>
     <a:masterClrMapping/>
   </p:clrMapOvr>
-  <mc:AlternateContent xmlns:mc="http://schemas.openxmlformats.org/markup-compatibility/2006">
-    <mc:Choice xmlns:p159="http://schemas.microsoft.com/office/powerpoint/2015/09/main" Requires="p159">
+  <mc:AlternateContent xmlns:mc="http://schemas.openxmlformats.org/markup-compatibility/2006" xmlns:p159="http://schemas.microsoft.com/office/powerpoint/2015/09/main">
+    <mc:Choice Requires="p159">
       <p:transition xmlns:p14="http://schemas.microsoft.com/office/powerpoint/2010/main" spd="slow" p14:dur="2000">
         <p159:morph option="byChar"/>
       </p:transition>
     </mc:Choice>
-    <mc:Fallback>
+    <mc:Fallback xmlns="">
       <p:transition spd="slow">
         <p:fade/>
       </p:transition>
@@ -36541,13 +36612,13 @@
   <p:clrMapOvr>
     <a:masterClrMapping/>
   </p:clrMapOvr>
-  <mc:AlternateContent xmlns:mc="http://schemas.openxmlformats.org/markup-compatibility/2006">
-    <mc:Choice xmlns:p159="http://schemas.microsoft.com/office/powerpoint/2015/09/main" Requires="p159">
+  <mc:AlternateContent xmlns:mc="http://schemas.openxmlformats.org/markup-compatibility/2006" xmlns:p159="http://schemas.microsoft.com/office/powerpoint/2015/09/main">
+    <mc:Choice Requires="p159">
       <p:transition xmlns:p14="http://schemas.microsoft.com/office/powerpoint/2010/main" spd="slow" p14:dur="2000">
         <p159:morph option="byChar"/>
       </p:transition>
     </mc:Choice>
-    <mc:Fallback>
+    <mc:Fallback xmlns="">
       <p:transition spd="slow">
         <p:fade/>
       </p:transition>
@@ -38589,13 +38660,13 @@
   <p:clrMapOvr>
     <a:masterClrMapping/>
   </p:clrMapOvr>
-  <mc:AlternateContent xmlns:mc="http://schemas.openxmlformats.org/markup-compatibility/2006">
-    <mc:Choice xmlns:p159="http://schemas.microsoft.com/office/powerpoint/2015/09/main" Requires="p159">
+  <mc:AlternateContent xmlns:mc="http://schemas.openxmlformats.org/markup-compatibility/2006" xmlns:p159="http://schemas.microsoft.com/office/powerpoint/2015/09/main">
+    <mc:Choice Requires="p159">
       <p:transition xmlns:p14="http://schemas.microsoft.com/office/powerpoint/2010/main" spd="slow" p14:dur="2000">
         <p159:morph option="byChar"/>
       </p:transition>
     </mc:Choice>
-    <mc:Fallback>
+    <mc:Fallback xmlns="">
       <p:transition spd="slow">
         <p:fade/>
       </p:transition>
